--- a/docs/slides/15-Dimensionality-Reduction.pptx
+++ b/docs/slides/15-Dimensionality-Reduction.pptx
@@ -206,7 +206,7 @@
           <a:p>
             <a:fld id="{A07F8AF1-4148-3446-B5EA-7177AE387CFC}" type="datetimeFigureOut">
               <a:rPr lang="en-US" smtClean="0"/>
-              <a:t>11/18/24</a:t>
+              <a:t>11/17/25</a:t>
             </a:fld>
             <a:endParaRPr lang="en-US"/>
           </a:p>
@@ -1009,7 +1009,7 @@
           <a:p>
             <a:fld id="{72CC2484-0CF3-A545-BBAF-2CDE268DB0D8}" type="datetimeFigureOut">
               <a:rPr lang="en-US" smtClean="0"/>
-              <a:t>11/18/24</a:t>
+              <a:t>11/17/25</a:t>
             </a:fld>
             <a:endParaRPr lang="en-US"/>
           </a:p>
@@ -1207,7 +1207,7 @@
           <a:p>
             <a:fld id="{72CC2484-0CF3-A545-BBAF-2CDE268DB0D8}" type="datetimeFigureOut">
               <a:rPr lang="en-US" smtClean="0"/>
-              <a:t>11/18/24</a:t>
+              <a:t>11/17/25</a:t>
             </a:fld>
             <a:endParaRPr lang="en-US"/>
           </a:p>
@@ -1415,7 +1415,7 @@
           <a:p>
             <a:fld id="{72CC2484-0CF3-A545-BBAF-2CDE268DB0D8}" type="datetimeFigureOut">
               <a:rPr lang="en-US" smtClean="0"/>
-              <a:t>11/18/24</a:t>
+              <a:t>11/17/25</a:t>
             </a:fld>
             <a:endParaRPr lang="en-US"/>
           </a:p>
@@ -1613,7 +1613,7 @@
           <a:p>
             <a:fld id="{72CC2484-0CF3-A545-BBAF-2CDE268DB0D8}" type="datetimeFigureOut">
               <a:rPr lang="en-US" smtClean="0"/>
-              <a:t>11/18/24</a:t>
+              <a:t>11/17/25</a:t>
             </a:fld>
             <a:endParaRPr lang="en-US"/>
           </a:p>
@@ -1888,7 +1888,7 @@
           <a:p>
             <a:fld id="{72CC2484-0CF3-A545-BBAF-2CDE268DB0D8}" type="datetimeFigureOut">
               <a:rPr lang="en-US" smtClean="0"/>
-              <a:t>11/18/24</a:t>
+              <a:t>11/17/25</a:t>
             </a:fld>
             <a:endParaRPr lang="en-US"/>
           </a:p>
@@ -2153,7 +2153,7 @@
           <a:p>
             <a:fld id="{72CC2484-0CF3-A545-BBAF-2CDE268DB0D8}" type="datetimeFigureOut">
               <a:rPr lang="en-US" smtClean="0"/>
-              <a:t>11/18/24</a:t>
+              <a:t>11/17/25</a:t>
             </a:fld>
             <a:endParaRPr lang="en-US"/>
           </a:p>
@@ -2565,7 +2565,7 @@
           <a:p>
             <a:fld id="{72CC2484-0CF3-A545-BBAF-2CDE268DB0D8}" type="datetimeFigureOut">
               <a:rPr lang="en-US" smtClean="0"/>
-              <a:t>11/18/24</a:t>
+              <a:t>11/17/25</a:t>
             </a:fld>
             <a:endParaRPr lang="en-US"/>
           </a:p>
@@ -2706,7 +2706,7 @@
           <a:p>
             <a:fld id="{72CC2484-0CF3-A545-BBAF-2CDE268DB0D8}" type="datetimeFigureOut">
               <a:rPr lang="en-US" smtClean="0"/>
-              <a:t>11/18/24</a:t>
+              <a:t>11/17/25</a:t>
             </a:fld>
             <a:endParaRPr lang="en-US"/>
           </a:p>
@@ -2819,7 +2819,7 @@
           <a:p>
             <a:fld id="{72CC2484-0CF3-A545-BBAF-2CDE268DB0D8}" type="datetimeFigureOut">
               <a:rPr lang="en-US" smtClean="0"/>
-              <a:t>11/18/24</a:t>
+              <a:t>11/17/25</a:t>
             </a:fld>
             <a:endParaRPr lang="en-US"/>
           </a:p>
@@ -3130,7 +3130,7 @@
           <a:p>
             <a:fld id="{72CC2484-0CF3-A545-BBAF-2CDE268DB0D8}" type="datetimeFigureOut">
               <a:rPr lang="en-US" smtClean="0"/>
-              <a:t>11/18/24</a:t>
+              <a:t>11/17/25</a:t>
             </a:fld>
             <a:endParaRPr lang="en-US"/>
           </a:p>
@@ -3418,7 +3418,7 @@
           <a:p>
             <a:fld id="{72CC2484-0CF3-A545-BBAF-2CDE268DB0D8}" type="datetimeFigureOut">
               <a:rPr lang="en-US" smtClean="0"/>
-              <a:t>11/18/24</a:t>
+              <a:t>11/17/25</a:t>
             </a:fld>
             <a:endParaRPr lang="en-US"/>
           </a:p>
@@ -3659,7 +3659,7 @@
           <a:p>
             <a:fld id="{72CC2484-0CF3-A545-BBAF-2CDE268DB0D8}" type="datetimeFigureOut">
               <a:rPr lang="en-US" smtClean="0"/>
-              <a:t>11/18/24</a:t>
+              <a:t>11/17/25</a:t>
             </a:fld>
             <a:endParaRPr lang="en-US"/>
           </a:p>
